--- a/touchID与人脸识别.pptx
+++ b/touchID与人脸识别.pptx
@@ -12,6 +12,16 @@
     <p:sldId id="260" r:id="rId6"/>
     <p:sldId id="261" r:id="rId7"/>
     <p:sldId id="262" r:id="rId8"/>
+    <p:sldId id="263" r:id="rId9"/>
+    <p:sldId id="264" r:id="rId10"/>
+    <p:sldId id="265" r:id="rId11"/>
+    <p:sldId id="266" r:id="rId12"/>
+    <p:sldId id="267" r:id="rId13"/>
+    <p:sldId id="268" r:id="rId14"/>
+    <p:sldId id="269" r:id="rId15"/>
+    <p:sldId id="270" r:id="rId16"/>
+    <p:sldId id="271" r:id="rId17"/>
+    <p:sldId id="272" r:id="rId18"/>
   </p:sldIdLst>
   <p:sldSz cx="9144000" cy="6858000" type="screen4x3"/>
   <p:notesSz cx="6858000" cy="9144000"/>
@@ -1926,7 +1936,7 @@
             <a:fld id="{E30E2307-1E40-4E12-8716-25BFDA8E7013}" type="datetime1">
               <a:rPr lang="en-US" smtClean="0"/>
               <a:pPr/>
-              <a:t>15/5/14</a:t>
+              <a:t>15/5/15</a:t>
             </a:fld>
             <a:endParaRPr lang="en-US"/>
           </a:p>
@@ -2109,7 +2119,7 @@
             <a:fld id="{E5CFCF5A-EA79-452C-A52C-1A2668C2E7DF}" type="datetime1">
               <a:rPr lang="en-US" smtClean="0"/>
               <a:pPr/>
-              <a:t>15/5/14</a:t>
+              <a:t>15/5/15</a:t>
             </a:fld>
             <a:endParaRPr lang="en-US"/>
           </a:p>
@@ -2262,7 +2272,7 @@
             <a:fld id="{2E5C4C28-BD4B-4892-9A2D-6E19BD753A9A}" type="datetime1">
               <a:rPr lang="en-US" smtClean="0"/>
               <a:pPr/>
-              <a:t>15/5/14</a:t>
+              <a:t>15/5/15</a:t>
             </a:fld>
             <a:endParaRPr lang="en-US"/>
           </a:p>
@@ -4090,7 +4100,7 @@
             <a:fld id="{61FD9D02-426E-46C9-9EE9-0DE1EF8B2838}" type="datetime1">
               <a:rPr lang="en-US" smtClean="0"/>
               <a:pPr/>
-              <a:t>15/5/14</a:t>
+              <a:t>15/5/15</a:t>
             </a:fld>
             <a:endParaRPr lang="en-US"/>
           </a:p>
@@ -5962,7 +5972,7 @@
             <a:fld id="{7B8AEBBE-F8B2-42CF-9895-E86A608384EB}" type="datetime1">
               <a:rPr lang="en-US" smtClean="0"/>
               <a:pPr/>
-              <a:t>15/5/14</a:t>
+              <a:t>15/5/15</a:t>
             </a:fld>
             <a:endParaRPr lang="en-US"/>
           </a:p>
@@ -6077,7 +6087,7 @@
             <a:fld id="{E1FAA6B6-10E5-4810-BC9F-DA72D8452E73}" type="datetime1">
               <a:rPr lang="en-US" smtClean="0"/>
               <a:pPr/>
-              <a:t>15/5/14</a:t>
+              <a:t>15/5/15</a:t>
             </a:fld>
             <a:endParaRPr lang="en-US"/>
           </a:p>
@@ -6620,7 +6630,7 @@
             <a:fld id="{6D18D072-EF12-4AA2-BD71-ABC68B06D0E2}" type="datetime1">
               <a:rPr lang="en-US" smtClean="0"/>
               <a:pPr/>
-              <a:t>15/5/14</a:t>
+              <a:t>15/5/15</a:t>
             </a:fld>
             <a:endParaRPr lang="en-US"/>
           </a:p>
@@ -6735,7 +6745,7 @@
             <a:fld id="{B8CDBF60-6CC3-4B74-A60D-3486985E4346}" type="datetime1">
               <a:rPr lang="en-US" smtClean="0"/>
               <a:pPr/>
-              <a:t>15/5/14</a:t>
+              <a:t>15/5/15</a:t>
             </a:fld>
             <a:endParaRPr lang="en-US"/>
           </a:p>
@@ -8448,7 +8458,7 @@
             <a:fld id="{22714818-984F-4759-BF72-A33BDC1963BD}" type="datetime1">
               <a:rPr lang="en-US" smtClean="0"/>
               <a:pPr/>
-              <a:t>15/5/14</a:t>
+              <a:t>15/5/15</a:t>
             </a:fld>
             <a:endParaRPr lang="en-US"/>
           </a:p>
@@ -8601,7 +8611,7 @@
             <a:fld id="{9EA7E191-5F94-4FC1-B823-BD7CABF7FA06}" type="datetime1">
               <a:rPr lang="en-US" smtClean="0"/>
               <a:pPr/>
-              <a:t>15/5/14</a:t>
+              <a:t>15/5/15</a:t>
             </a:fld>
             <a:endParaRPr lang="en-US"/>
           </a:p>
@@ -12218,7 +12228,7 @@
             <a:fld id="{88856D55-EFBE-4F9B-8A5F-09D42CA22A9B}" type="datetime1">
               <a:rPr lang="en-US" smtClean="0"/>
               <a:pPr/>
-              <a:t>15/5/14</a:t>
+              <a:t>15/5/15</a:t>
             </a:fld>
             <a:endParaRPr lang="en-US"/>
           </a:p>
@@ -14079,7 +14089,7 @@
             <a:fld id="{9D1D110F-3F4E-48D9-B8AA-5D0E825AFDBA}" type="datetime1">
               <a:rPr lang="en-US" smtClean="0"/>
               <a:pPr/>
-              <a:t>15/5/14</a:t>
+              <a:t>15/5/15</a:t>
             </a:fld>
             <a:endParaRPr lang="en-US"/>
           </a:p>
@@ -14642,11 +14652,7 @@
           <a:p>
             <a:r>
               <a:rPr kumimoji="1" lang="en-US" altLang="zh-CN" dirty="0" smtClean="0"/>
-              <a:t>						</a:t>
-            </a:r>
-            <a:r>
-              <a:rPr kumimoji="1" lang="en-US" altLang="zh-CN" dirty="0" smtClean="0"/>
-              <a:t>------by</a:t>
+              <a:t>						------by</a:t>
             </a:r>
             <a:r>
               <a:rPr kumimoji="1" lang="zh-CN" altLang="en-US" dirty="0" smtClean="0"/>
@@ -14660,6 +14666,1164 @@
     <p:extLst>
       <p:ext uri="{BB962C8B-B14F-4D97-AF65-F5344CB8AC3E}">
         <p14:creationId xmlns:p14="http://schemas.microsoft.com/office/powerpoint/2010/main" val="207884260"/>
+      </p:ext>
+    </p:extLst>
+  </p:cSld>
+  <p:clrMapOvr>
+    <a:masterClrMapping/>
+  </p:clrMapOvr>
+</p:sld>
+</file>
+
+<file path=ppt/slides/slide10.xml><?xml version="1.0" encoding="utf-8"?>
+<p:sld xmlns:a="http://schemas.openxmlformats.org/drawingml/2006/main" xmlns:r="http://schemas.openxmlformats.org/officeDocument/2006/relationships" xmlns:p="http://schemas.openxmlformats.org/presentationml/2006/main">
+  <p:cSld>
+    <p:spTree>
+      <p:nvGrpSpPr>
+        <p:cNvPr id="1" name=""/>
+        <p:cNvGrpSpPr/>
+        <p:nvPr/>
+      </p:nvGrpSpPr>
+      <p:grpSpPr>
+        <a:xfrm>
+          <a:off x="0" y="0"/>
+          <a:ext cx="0" cy="0"/>
+          <a:chOff x="0" y="0"/>
+          <a:chExt cx="0" cy="0"/>
+        </a:xfrm>
+      </p:grpSpPr>
+      <p:sp>
+        <p:nvSpPr>
+          <p:cNvPr id="2" name="内容占位符 1"/>
+          <p:cNvSpPr>
+            <a:spLocks noGrp="1"/>
+          </p:cNvSpPr>
+          <p:nvPr>
+            <p:ph idx="1"/>
+          </p:nvPr>
+        </p:nvSpPr>
+        <p:spPr>
+          <a:xfrm>
+            <a:off x="4092749" y="2210552"/>
+            <a:ext cx="4187651" cy="3915611"/>
+          </a:xfrm>
+        </p:spPr>
+        <p:txBody>
+          <a:bodyPr>
+            <a:normAutofit/>
+          </a:bodyPr>
+          <a:lstStyle/>
+          <a:p>
+            <a:r>
+              <a:rPr kumimoji="1" lang="zh-CN" altLang="en-US" dirty="0" smtClean="0"/>
+              <a:t>在</a:t>
+            </a:r>
+            <a:r>
+              <a:rPr kumimoji="1" lang="en-US" altLang="zh-CN" dirty="0" smtClean="0"/>
+              <a:t>IOS5</a:t>
+            </a:r>
+            <a:r>
+              <a:rPr kumimoji="1" lang="zh-CN" altLang="en-US" dirty="0" smtClean="0"/>
+              <a:t>以后，苹果开放了人脸检测</a:t>
+            </a:r>
+            <a:r>
+              <a:rPr kumimoji="1" lang="en-US" altLang="zh-CN" dirty="0" smtClean="0"/>
+              <a:t>API</a:t>
+            </a:r>
+            <a:r>
+              <a:rPr kumimoji="1" lang="zh-CN" altLang="en-US" dirty="0" smtClean="0"/>
+              <a:t>，主要是使用</a:t>
+            </a:r>
+            <a:r>
+              <a:rPr kumimoji="1" lang="en-US" altLang="zh-CN" dirty="0" err="1" smtClean="0"/>
+              <a:t>coreImage</a:t>
+            </a:r>
+            <a:r>
+              <a:rPr kumimoji="1" lang="zh-CN" altLang="en-US" dirty="0" smtClean="0"/>
+              <a:t>来进行检测，可以启动相机进行动态检测，可以使用一张图片来检测人脸</a:t>
+            </a:r>
+            <a:endParaRPr kumimoji="1" lang="zh-CN" altLang="en-US" dirty="0"/>
+          </a:p>
+        </p:txBody>
+      </p:sp>
+      <p:sp>
+        <p:nvSpPr>
+          <p:cNvPr id="3" name="标题 2"/>
+          <p:cNvSpPr>
+            <a:spLocks noGrp="1"/>
+          </p:cNvSpPr>
+          <p:nvPr>
+            <p:ph type="title"/>
+          </p:nvPr>
+        </p:nvSpPr>
+        <p:spPr/>
+        <p:txBody>
+          <a:bodyPr/>
+          <a:lstStyle/>
+          <a:p>
+            <a:r>
+              <a:rPr kumimoji="1" lang="zh-CN" altLang="en-US" dirty="0" smtClean="0"/>
+              <a:t>如何检测</a:t>
+            </a:r>
+            <a:endParaRPr kumimoji="1" lang="zh-CN" altLang="en-US" dirty="0"/>
+          </a:p>
+        </p:txBody>
+      </p:sp>
+      <p:pic>
+        <p:nvPicPr>
+          <p:cNvPr id="4" name="图片 3"/>
+          <p:cNvPicPr>
+            <a:picLocks noChangeAspect="1"/>
+          </p:cNvPicPr>
+          <p:nvPr/>
+        </p:nvPicPr>
+        <p:blipFill>
+          <a:blip r:embed="rId2"/>
+          <a:stretch>
+            <a:fillRect/>
+          </a:stretch>
+        </p:blipFill>
+        <p:spPr>
+          <a:xfrm>
+            <a:off x="740840" y="2210552"/>
+            <a:ext cx="2460062" cy="4435800"/>
+          </a:xfrm>
+          <a:prstGeom prst="rect">
+            <a:avLst/>
+          </a:prstGeom>
+        </p:spPr>
+      </p:pic>
+    </p:spTree>
+    <p:extLst>
+      <p:ext uri="{BB962C8B-B14F-4D97-AF65-F5344CB8AC3E}">
+        <p14:creationId xmlns:p14="http://schemas.microsoft.com/office/powerpoint/2010/main" val="3185224885"/>
+      </p:ext>
+    </p:extLst>
+  </p:cSld>
+  <p:clrMapOvr>
+    <a:masterClrMapping/>
+  </p:clrMapOvr>
+</p:sld>
+</file>
+
+<file path=ppt/slides/slide11.xml><?xml version="1.0" encoding="utf-8"?>
+<p:sld xmlns:a="http://schemas.openxmlformats.org/drawingml/2006/main" xmlns:r="http://schemas.openxmlformats.org/officeDocument/2006/relationships" xmlns:p="http://schemas.openxmlformats.org/presentationml/2006/main">
+  <p:cSld>
+    <p:spTree>
+      <p:nvGrpSpPr>
+        <p:cNvPr id="1" name=""/>
+        <p:cNvGrpSpPr/>
+        <p:nvPr/>
+      </p:nvGrpSpPr>
+      <p:grpSpPr>
+        <a:xfrm>
+          <a:off x="0" y="0"/>
+          <a:ext cx="0" cy="0"/>
+          <a:chOff x="0" y="0"/>
+          <a:chExt cx="0" cy="0"/>
+        </a:xfrm>
+      </p:grpSpPr>
+      <p:sp>
+        <p:nvSpPr>
+          <p:cNvPr id="2" name="内容占位符 1"/>
+          <p:cNvSpPr>
+            <a:spLocks noGrp="1"/>
+          </p:cNvSpPr>
+          <p:nvPr>
+            <p:ph idx="1"/>
+          </p:nvPr>
+        </p:nvSpPr>
+        <p:spPr/>
+        <p:txBody>
+          <a:bodyPr/>
+          <a:lstStyle/>
+          <a:p>
+            <a:r>
+              <a:rPr kumimoji="1" lang="en-US" altLang="zh-CN" dirty="0" smtClean="0"/>
+              <a:t>1</a:t>
+            </a:r>
+            <a:r>
+              <a:rPr kumimoji="1" lang="zh-CN" altLang="en-US" dirty="0" smtClean="0"/>
+              <a:t>、图片本身的坐标系</a:t>
+            </a:r>
+            <a:endParaRPr kumimoji="1" lang="en-US" altLang="zh-CN" dirty="0" smtClean="0"/>
+          </a:p>
+          <a:p>
+            <a:r>
+              <a:rPr kumimoji="1" lang="zh-CN" altLang="zh-CN" dirty="0" smtClean="0"/>
+              <a:t>2</a:t>
+            </a:r>
+            <a:r>
+              <a:rPr kumimoji="1" lang="zh-CN" altLang="en-US" dirty="0" smtClean="0"/>
+              <a:t>、应用里面的坐标系</a:t>
+            </a:r>
+            <a:endParaRPr kumimoji="1" lang="zh-CN" altLang="en-US" dirty="0"/>
+          </a:p>
+        </p:txBody>
+      </p:sp>
+      <p:sp>
+        <p:nvSpPr>
+          <p:cNvPr id="3" name="标题 2"/>
+          <p:cNvSpPr>
+            <a:spLocks noGrp="1"/>
+          </p:cNvSpPr>
+          <p:nvPr>
+            <p:ph type="title"/>
+          </p:nvPr>
+        </p:nvSpPr>
+        <p:spPr/>
+        <p:txBody>
+          <a:bodyPr/>
+          <a:lstStyle/>
+          <a:p>
+            <a:r>
+              <a:rPr kumimoji="1" lang="zh-CN" altLang="en-US" dirty="0" smtClean="0"/>
+              <a:t>图像的检测</a:t>
+            </a:r>
+            <a:endParaRPr kumimoji="1" lang="zh-CN" altLang="en-US" dirty="0"/>
+          </a:p>
+        </p:txBody>
+      </p:sp>
+    </p:spTree>
+    <p:extLst>
+      <p:ext uri="{BB962C8B-B14F-4D97-AF65-F5344CB8AC3E}">
+        <p14:creationId xmlns:p14="http://schemas.microsoft.com/office/powerpoint/2010/main" val="1903534697"/>
+      </p:ext>
+    </p:extLst>
+  </p:cSld>
+  <p:clrMapOvr>
+    <a:masterClrMapping/>
+  </p:clrMapOvr>
+</p:sld>
+</file>
+
+<file path=ppt/slides/slide12.xml><?xml version="1.0" encoding="utf-8"?>
+<p:sld xmlns:a="http://schemas.openxmlformats.org/drawingml/2006/main" xmlns:r="http://schemas.openxmlformats.org/officeDocument/2006/relationships" xmlns:p="http://schemas.openxmlformats.org/presentationml/2006/main">
+  <p:cSld>
+    <p:spTree>
+      <p:nvGrpSpPr>
+        <p:cNvPr id="1" name=""/>
+        <p:cNvGrpSpPr/>
+        <p:nvPr/>
+      </p:nvGrpSpPr>
+      <p:grpSpPr>
+        <a:xfrm>
+          <a:off x="0" y="0"/>
+          <a:ext cx="0" cy="0"/>
+          <a:chOff x="0" y="0"/>
+          <a:chExt cx="0" cy="0"/>
+        </a:xfrm>
+      </p:grpSpPr>
+      <p:sp>
+        <p:nvSpPr>
+          <p:cNvPr id="3" name="标题 2"/>
+          <p:cNvSpPr>
+            <a:spLocks noGrp="1"/>
+          </p:cNvSpPr>
+          <p:nvPr>
+            <p:ph type="title"/>
+          </p:nvPr>
+        </p:nvSpPr>
+        <p:spPr/>
+        <p:txBody>
+          <a:bodyPr/>
+          <a:lstStyle/>
+          <a:p>
+            <a:r>
+              <a:rPr kumimoji="1" lang="zh-CN" altLang="en-US" dirty="0" smtClean="0"/>
+              <a:t>坐标系的对比</a:t>
+            </a:r>
+            <a:endParaRPr kumimoji="1" lang="zh-CN" altLang="en-US" dirty="0"/>
+          </a:p>
+        </p:txBody>
+      </p:sp>
+      <p:pic>
+        <p:nvPicPr>
+          <p:cNvPr id="4" name="图片 3"/>
+          <p:cNvPicPr>
+            <a:picLocks noChangeAspect="1"/>
+          </p:cNvPicPr>
+          <p:nvPr/>
+        </p:nvPicPr>
+        <p:blipFill>
+          <a:blip r:embed="rId2"/>
+          <a:stretch>
+            <a:fillRect/>
+          </a:stretch>
+        </p:blipFill>
+        <p:spPr>
+          <a:xfrm>
+            <a:off x="0" y="1383258"/>
+            <a:ext cx="3036252" cy="5474742"/>
+          </a:xfrm>
+          <a:prstGeom prst="rect">
+            <a:avLst/>
+          </a:prstGeom>
+        </p:spPr>
+      </p:pic>
+      <p:pic>
+        <p:nvPicPr>
+          <p:cNvPr id="5" name="图片 4"/>
+          <p:cNvPicPr>
+            <a:picLocks noChangeAspect="1"/>
+          </p:cNvPicPr>
+          <p:nvPr/>
+        </p:nvPicPr>
+        <p:blipFill>
+          <a:blip r:embed="rId3"/>
+          <a:stretch>
+            <a:fillRect/>
+          </a:stretch>
+        </p:blipFill>
+        <p:spPr>
+          <a:xfrm>
+            <a:off x="6225356" y="1383258"/>
+            <a:ext cx="2918644" cy="5262680"/>
+          </a:xfrm>
+          <a:prstGeom prst="rect">
+            <a:avLst/>
+          </a:prstGeom>
+        </p:spPr>
+      </p:pic>
+      <p:sp>
+        <p:nvSpPr>
+          <p:cNvPr id="6" name="文本框 5"/>
+          <p:cNvSpPr txBox="1"/>
+          <p:nvPr/>
+        </p:nvSpPr>
+        <p:spPr>
+          <a:xfrm>
+            <a:off x="3716405" y="2116485"/>
+            <a:ext cx="1834680" cy="1200329"/>
+          </a:xfrm>
+          <a:prstGeom prst="rect">
+            <a:avLst/>
+          </a:prstGeom>
+          <a:noFill/>
+        </p:spPr>
+        <p:txBody>
+          <a:bodyPr wrap="square" rtlCol="0">
+            <a:spAutoFit/>
+          </a:bodyPr>
+          <a:lstStyle/>
+          <a:p>
+            <a:r>
+              <a:rPr kumimoji="1" lang="zh-CN" altLang="en-US" dirty="0" smtClean="0"/>
+              <a:t>所以一般我们图像识别得到</a:t>
+            </a:r>
+            <a:endParaRPr kumimoji="1" lang="en-US" altLang="zh-CN" dirty="0" smtClean="0"/>
+          </a:p>
+          <a:p>
+            <a:r>
+              <a:rPr kumimoji="1" lang="zh-CN" altLang="en-US" dirty="0" smtClean="0"/>
+              <a:t>坐标系是</a:t>
+            </a:r>
+            <a:r>
+              <a:rPr kumimoji="1" lang="en-US" altLang="zh-CN" dirty="0" smtClean="0"/>
+              <a:t>y</a:t>
+            </a:r>
+            <a:r>
+              <a:rPr kumimoji="1" lang="zh-CN" altLang="en-US" dirty="0" smtClean="0"/>
+              <a:t>轴翻转</a:t>
+            </a:r>
+            <a:r>
+              <a:rPr kumimoji="1" lang="en-US" altLang="zh-CN" dirty="0" smtClean="0"/>
+              <a:t>180°</a:t>
+            </a:r>
+            <a:endParaRPr kumimoji="1" lang="zh-CN" altLang="en-US" dirty="0"/>
+          </a:p>
+        </p:txBody>
+      </p:sp>
+    </p:spTree>
+    <p:extLst>
+      <p:ext uri="{BB962C8B-B14F-4D97-AF65-F5344CB8AC3E}">
+        <p14:creationId xmlns:p14="http://schemas.microsoft.com/office/powerpoint/2010/main" val="775627563"/>
+      </p:ext>
+    </p:extLst>
+  </p:cSld>
+  <p:clrMapOvr>
+    <a:masterClrMapping/>
+  </p:clrMapOvr>
+</p:sld>
+</file>
+
+<file path=ppt/slides/slide13.xml><?xml version="1.0" encoding="utf-8"?>
+<p:sld xmlns:a="http://schemas.openxmlformats.org/drawingml/2006/main" xmlns:r="http://schemas.openxmlformats.org/officeDocument/2006/relationships" xmlns:p="http://schemas.openxmlformats.org/presentationml/2006/main">
+  <p:cSld>
+    <p:spTree>
+      <p:nvGrpSpPr>
+        <p:cNvPr id="1" name=""/>
+        <p:cNvGrpSpPr/>
+        <p:nvPr/>
+      </p:nvGrpSpPr>
+      <p:grpSpPr>
+        <a:xfrm>
+          <a:off x="0" y="0"/>
+          <a:ext cx="0" cy="0"/>
+          <a:chOff x="0" y="0"/>
+          <a:chExt cx="0" cy="0"/>
+        </a:xfrm>
+      </p:grpSpPr>
+      <p:sp>
+        <p:nvSpPr>
+          <p:cNvPr id="2" name="内容占位符 1"/>
+          <p:cNvSpPr>
+            <a:spLocks noGrp="1"/>
+          </p:cNvSpPr>
+          <p:nvPr>
+            <p:ph idx="1"/>
+          </p:nvPr>
+        </p:nvSpPr>
+        <p:spPr/>
+        <p:txBody>
+          <a:bodyPr>
+            <a:normAutofit fontScale="92500" lnSpcReduction="20000"/>
+          </a:bodyPr>
+          <a:lstStyle/>
+          <a:p>
+            <a:r>
+              <a:rPr kumimoji="1" lang="zh-CN" altLang="zh-CN" dirty="0"/>
+              <a:t> </a:t>
+            </a:r>
+            <a:r>
+              <a:rPr kumimoji="1" lang="zh-CN" altLang="en-US" dirty="0" smtClean="0"/>
+              <a:t>我们打印得到数据</a:t>
+            </a:r>
+            <a:endParaRPr kumimoji="1" lang="en-US" altLang="zh-CN" dirty="0" smtClean="0"/>
+          </a:p>
+          <a:p>
+            <a:r>
+              <a:rPr kumimoji="1" lang="en-US" altLang="zh-CN" dirty="0" err="1" smtClean="0"/>
+              <a:t>imageView</a:t>
+            </a:r>
+            <a:r>
+              <a:rPr kumimoji="1" lang="en-US" altLang="zh-CN" dirty="0" smtClean="0"/>
+              <a:t>   0 0  320  568</a:t>
+            </a:r>
+          </a:p>
+          <a:p>
+            <a:r>
+              <a:rPr kumimoji="1" lang="en-US" altLang="zh-CN" dirty="0" err="1" smtClean="0"/>
+              <a:t>imageView.image</a:t>
+            </a:r>
+            <a:r>
+              <a:rPr kumimoji="1" lang="en-US" altLang="zh-CN" dirty="0" smtClean="0"/>
+              <a:t>    600  900</a:t>
+            </a:r>
+          </a:p>
+          <a:p>
+            <a:r>
+              <a:rPr kumimoji="1" lang="zh-CN" altLang="en-US" dirty="0" smtClean="0"/>
+              <a:t>图片会变型，但是我们识别的时候，是按照</a:t>
+            </a:r>
+            <a:r>
+              <a:rPr kumimoji="1" lang="en-US" altLang="zh-CN" dirty="0" smtClean="0"/>
+              <a:t>image</a:t>
+            </a:r>
+            <a:r>
+              <a:rPr kumimoji="1" lang="zh-CN" altLang="en-US" dirty="0" smtClean="0"/>
+              <a:t>的大小进行计算的</a:t>
+            </a:r>
+            <a:endParaRPr kumimoji="1" lang="en-US" altLang="zh-CN" dirty="0" smtClean="0"/>
+          </a:p>
+          <a:p>
+            <a:r>
+              <a:rPr kumimoji="1" lang="zh-CN" altLang="en-US" dirty="0" smtClean="0"/>
+              <a:t>通过重绘，绘制出来一个等大小的</a:t>
+            </a:r>
+            <a:r>
+              <a:rPr kumimoji="1" lang="en-US" altLang="zh-CN" dirty="0" smtClean="0"/>
+              <a:t>image</a:t>
+            </a:r>
+            <a:r>
+              <a:rPr kumimoji="1" lang="zh-CN" altLang="en-US" dirty="0" smtClean="0"/>
+              <a:t>，在赋给</a:t>
+            </a:r>
+            <a:r>
+              <a:rPr kumimoji="1" lang="en-US" altLang="zh-CN" dirty="0" err="1" smtClean="0"/>
+              <a:t>imageView</a:t>
+            </a:r>
+            <a:r>
+              <a:rPr kumimoji="1" lang="zh-CN" altLang="en-US" dirty="0" smtClean="0"/>
+              <a:t>，最后进行识别</a:t>
+            </a:r>
+            <a:endParaRPr kumimoji="1" lang="en-US" altLang="zh-CN" dirty="0" smtClean="0"/>
+          </a:p>
+          <a:p>
+            <a:endParaRPr kumimoji="1" lang="en-US" altLang="zh-CN" dirty="0"/>
+          </a:p>
+          <a:p>
+            <a:r>
+              <a:rPr kumimoji="1" lang="zh-CN" altLang="en-US" dirty="0" smtClean="0"/>
+              <a:t>识别过程是一个同步的过程，我们需要开启一条线程来进行处理，否则就会造成界面卡顿这些事情</a:t>
+            </a:r>
+            <a:endParaRPr kumimoji="1" lang="en-US" altLang="zh-CN" dirty="0"/>
+          </a:p>
+          <a:p>
+            <a:endParaRPr kumimoji="1" lang="en-US" altLang="zh-CN" dirty="0" smtClean="0"/>
+          </a:p>
+          <a:p>
+            <a:endParaRPr kumimoji="1" lang="zh-CN" altLang="en-US" dirty="0"/>
+          </a:p>
+        </p:txBody>
+      </p:sp>
+      <p:sp>
+        <p:nvSpPr>
+          <p:cNvPr id="3" name="标题 2"/>
+          <p:cNvSpPr>
+            <a:spLocks noGrp="1"/>
+          </p:cNvSpPr>
+          <p:nvPr>
+            <p:ph type="title"/>
+          </p:nvPr>
+        </p:nvSpPr>
+        <p:spPr/>
+        <p:txBody>
+          <a:bodyPr/>
+          <a:lstStyle/>
+          <a:p>
+            <a:r>
+              <a:rPr kumimoji="1" lang="zh-CN" altLang="en-US" dirty="0" smtClean="0"/>
+              <a:t>如何识别</a:t>
+            </a:r>
+            <a:r>
+              <a:rPr kumimoji="1" lang="en-US" altLang="zh-CN" dirty="0" smtClean="0"/>
+              <a:t>1</a:t>
+            </a:r>
+            <a:endParaRPr kumimoji="1" lang="zh-CN" altLang="en-US" dirty="0"/>
+          </a:p>
+        </p:txBody>
+      </p:sp>
+    </p:spTree>
+    <p:extLst>
+      <p:ext uri="{BB962C8B-B14F-4D97-AF65-F5344CB8AC3E}">
+        <p14:creationId xmlns:p14="http://schemas.microsoft.com/office/powerpoint/2010/main" val="2953742834"/>
+      </p:ext>
+    </p:extLst>
+  </p:cSld>
+  <p:clrMapOvr>
+    <a:masterClrMapping/>
+  </p:clrMapOvr>
+</p:sld>
+</file>
+
+<file path=ppt/slides/slide14.xml><?xml version="1.0" encoding="utf-8"?>
+<p:sld xmlns:a="http://schemas.openxmlformats.org/drawingml/2006/main" xmlns:r="http://schemas.openxmlformats.org/officeDocument/2006/relationships" xmlns:p="http://schemas.openxmlformats.org/presentationml/2006/main">
+  <p:cSld>
+    <p:spTree>
+      <p:nvGrpSpPr>
+        <p:cNvPr id="1" name=""/>
+        <p:cNvGrpSpPr/>
+        <p:nvPr/>
+      </p:nvGrpSpPr>
+      <p:grpSpPr>
+        <a:xfrm>
+          <a:off x="0" y="0"/>
+          <a:ext cx="0" cy="0"/>
+          <a:chOff x="0" y="0"/>
+          <a:chExt cx="0" cy="0"/>
+        </a:xfrm>
+      </p:grpSpPr>
+      <p:sp>
+        <p:nvSpPr>
+          <p:cNvPr id="2" name="内容占位符 1"/>
+          <p:cNvSpPr>
+            <a:spLocks noGrp="1"/>
+          </p:cNvSpPr>
+          <p:nvPr>
+            <p:ph idx="1"/>
+          </p:nvPr>
+        </p:nvSpPr>
+        <p:spPr/>
+        <p:txBody>
+          <a:bodyPr>
+            <a:normAutofit fontScale="62500" lnSpcReduction="20000"/>
+          </a:bodyPr>
+          <a:lstStyle/>
+          <a:p>
+            <a:r>
+              <a:rPr kumimoji="1" lang="en-US" altLang="en-US" dirty="0" err="1" smtClean="0"/>
+              <a:t>需要把image转换为CIImage</a:t>
+            </a:r>
+            <a:endParaRPr kumimoji="1" lang="en-US" altLang="en-US" dirty="0" smtClean="0"/>
+          </a:p>
+          <a:p>
+            <a:r>
+              <a:rPr lang="en-US" altLang="zh-CN" dirty="0"/>
+              <a:t> </a:t>
+            </a:r>
+            <a:r>
+              <a:rPr lang="en-US" altLang="zh-CN" dirty="0" err="1"/>
+              <a:t>CIImage</a:t>
+            </a:r>
+            <a:r>
+              <a:rPr lang="en-US" altLang="zh-CN" dirty="0"/>
+              <a:t>* image = [</a:t>
+            </a:r>
+            <a:r>
+              <a:rPr lang="en-US" altLang="zh-CN" dirty="0" err="1"/>
+              <a:t>CIImage</a:t>
+            </a:r>
+            <a:r>
+              <a:rPr lang="en-US" altLang="zh-CN" dirty="0"/>
+              <a:t> </a:t>
+            </a:r>
+            <a:r>
+              <a:rPr lang="en-US" altLang="zh-CN" dirty="0" err="1"/>
+              <a:t>imageWithCGImage:self.headerImageView.image.CGImage</a:t>
+            </a:r>
+            <a:r>
+              <a:rPr lang="en-US" altLang="zh-CN" dirty="0"/>
+              <a:t>]</a:t>
+            </a:r>
+            <a:r>
+              <a:rPr lang="en-US" altLang="zh-CN" dirty="0" smtClean="0"/>
+              <a:t>;</a:t>
+            </a:r>
+          </a:p>
+          <a:p>
+            <a:r>
+              <a:rPr kumimoji="1" lang="zh-CN" altLang="en-US" dirty="0" smtClean="0"/>
+              <a:t>创建识别器</a:t>
+            </a:r>
+            <a:endParaRPr kumimoji="1" lang="en-US" altLang="zh-CN" dirty="0" smtClean="0"/>
+          </a:p>
+          <a:p>
+            <a:r>
+              <a:rPr lang="zh-TW" altLang="en-US" dirty="0"/>
+              <a:t> </a:t>
+            </a:r>
+            <a:r>
+              <a:rPr lang="en-US" altLang="zh-TW" dirty="0"/>
+              <a:t>//</a:t>
+            </a:r>
+            <a:r>
+              <a:rPr lang="zh-TW" altLang="en-US" dirty="0"/>
+              <a:t>此处是</a:t>
+            </a:r>
+            <a:r>
+              <a:rPr lang="en-US" altLang="zh-TW" dirty="0" err="1"/>
+              <a:t>CIDetectorAccuracyHigh</a:t>
+            </a:r>
+            <a:r>
+              <a:rPr lang="zh-TW" altLang="en-US" dirty="0"/>
+              <a:t>，若用于</a:t>
+            </a:r>
+            <a:r>
+              <a:rPr lang="en-US" altLang="zh-TW" dirty="0"/>
+              <a:t>real-time</a:t>
+            </a:r>
+            <a:r>
+              <a:rPr lang="zh-TW" altLang="en-US" dirty="0"/>
+              <a:t>的人脸检测，则用</a:t>
+            </a:r>
+            <a:r>
+              <a:rPr lang="en-US" altLang="zh-TW" dirty="0" err="1"/>
+              <a:t>CIDetectorAccuracyLow</a:t>
+            </a:r>
+            <a:r>
+              <a:rPr lang="zh-TW" altLang="en-US" dirty="0"/>
+              <a:t>，更快</a:t>
+            </a:r>
+          </a:p>
+          <a:p>
+            <a:r>
+              <a:rPr lang="en-US" altLang="zh-CN" dirty="0"/>
+              <a:t>        </a:t>
+            </a:r>
+            <a:r>
+              <a:rPr lang="en-US" altLang="zh-CN" dirty="0" err="1"/>
+              <a:t>NSDictionary</a:t>
+            </a:r>
+            <a:r>
+              <a:rPr lang="en-US" altLang="zh-CN" dirty="0"/>
+              <a:t>  *opts = [</a:t>
+            </a:r>
+            <a:r>
+              <a:rPr lang="en-US" altLang="zh-CN" dirty="0" err="1"/>
+              <a:t>NSDictionary</a:t>
+            </a:r>
+            <a:r>
+              <a:rPr lang="en-US" altLang="zh-CN" dirty="0"/>
+              <a:t> </a:t>
+            </a:r>
+            <a:r>
+              <a:rPr lang="en-US" altLang="zh-CN" dirty="0" err="1"/>
+              <a:t>dictionaryWithObject:CIDetectorAccuracyHigh</a:t>
+            </a:r>
+            <a:endParaRPr lang="en-US" altLang="zh-CN" dirty="0"/>
+          </a:p>
+          <a:p>
+            <a:r>
+              <a:rPr lang="en-US" altLang="zh-CN" dirty="0"/>
+              <a:t>                                                          </a:t>
+            </a:r>
+            <a:r>
+              <a:rPr lang="en-US" altLang="zh-CN" dirty="0" err="1"/>
+              <a:t>forKey:CIDetectorAccuracy</a:t>
+            </a:r>
+            <a:r>
+              <a:rPr lang="en-US" altLang="zh-CN" dirty="0"/>
+              <a:t>];</a:t>
+            </a:r>
+          </a:p>
+          <a:p>
+            <a:r>
+              <a:rPr lang="zh-TW" altLang="en-US" dirty="0"/>
+              <a:t>        </a:t>
+            </a:r>
+            <a:r>
+              <a:rPr lang="en-US" altLang="zh-TW" dirty="0"/>
+              <a:t>//</a:t>
+            </a:r>
+            <a:r>
+              <a:rPr lang="zh-TW" altLang="en-US" dirty="0"/>
+              <a:t>据说可以识别二维码</a:t>
+            </a:r>
+            <a:r>
+              <a:rPr lang="en-US" altLang="zh-TW" dirty="0"/>
+              <a:t>~</a:t>
+            </a:r>
+            <a:endParaRPr lang="zh-TW" altLang="en-US" dirty="0"/>
+          </a:p>
+          <a:p>
+            <a:r>
+              <a:rPr lang="en-US" altLang="zh-CN" dirty="0"/>
+              <a:t>        </a:t>
+            </a:r>
+            <a:r>
+              <a:rPr lang="en-US" altLang="zh-CN" dirty="0" err="1"/>
+              <a:t>CIDetector</a:t>
+            </a:r>
+            <a:r>
+              <a:rPr lang="en-US" altLang="zh-CN" dirty="0"/>
+              <a:t>* detector = [</a:t>
+            </a:r>
+            <a:r>
+              <a:rPr lang="en-US" altLang="zh-CN" dirty="0" err="1"/>
+              <a:t>CIDetector</a:t>
+            </a:r>
+            <a:r>
+              <a:rPr lang="en-US" altLang="zh-CN" dirty="0"/>
+              <a:t> </a:t>
+            </a:r>
+            <a:r>
+              <a:rPr lang="en-US" altLang="zh-CN" dirty="0" err="1"/>
+              <a:t>detectorOfType:CIDetectorTypeFace</a:t>
+            </a:r>
+            <a:endParaRPr lang="en-US" altLang="zh-CN" dirty="0"/>
+          </a:p>
+          <a:p>
+            <a:r>
+              <a:rPr lang="en-US" altLang="zh-CN" dirty="0"/>
+              <a:t>                                                  </a:t>
+            </a:r>
+            <a:r>
+              <a:rPr lang="en-US" altLang="zh-CN" dirty="0" err="1"/>
+              <a:t>context:nil</a:t>
+            </a:r>
+            <a:endParaRPr lang="en-US" altLang="zh-CN" dirty="0"/>
+          </a:p>
+          <a:p>
+            <a:r>
+              <a:rPr lang="en-US" altLang="zh-CN" dirty="0"/>
+              <a:t>                                                  </a:t>
+            </a:r>
+            <a:r>
+              <a:rPr lang="en-US" altLang="zh-CN" dirty="0" err="1"/>
+              <a:t>options:opts</a:t>
+            </a:r>
+            <a:r>
+              <a:rPr lang="en-US" altLang="zh-CN" dirty="0"/>
+              <a:t>];</a:t>
+            </a:r>
+            <a:endParaRPr kumimoji="1" lang="en-US" altLang="zh-CN" dirty="0" smtClean="0"/>
+          </a:p>
+          <a:p>
+            <a:endParaRPr kumimoji="1" lang="zh-CN" altLang="en-US" dirty="0"/>
+          </a:p>
+        </p:txBody>
+      </p:sp>
+      <p:sp>
+        <p:nvSpPr>
+          <p:cNvPr id="3" name="标题 2"/>
+          <p:cNvSpPr>
+            <a:spLocks noGrp="1"/>
+          </p:cNvSpPr>
+          <p:nvPr>
+            <p:ph type="title"/>
+          </p:nvPr>
+        </p:nvSpPr>
+        <p:spPr/>
+        <p:txBody>
+          <a:bodyPr>
+            <a:normAutofit/>
+          </a:bodyPr>
+          <a:lstStyle/>
+          <a:p>
+            <a:r>
+              <a:rPr kumimoji="1" lang="zh-CN" altLang="en-US" dirty="0" smtClean="0"/>
+              <a:t>如何识别</a:t>
+            </a:r>
+            <a:r>
+              <a:rPr kumimoji="1" lang="en-US" altLang="zh-CN" dirty="0" smtClean="0"/>
+              <a:t>2</a:t>
+            </a:r>
+            <a:endParaRPr kumimoji="1" lang="zh-CN" altLang="en-US" dirty="0"/>
+          </a:p>
+        </p:txBody>
+      </p:sp>
+    </p:spTree>
+    <p:extLst>
+      <p:ext uri="{BB962C8B-B14F-4D97-AF65-F5344CB8AC3E}">
+        <p14:creationId xmlns:p14="http://schemas.microsoft.com/office/powerpoint/2010/main" val="2491947074"/>
+      </p:ext>
+    </p:extLst>
+  </p:cSld>
+  <p:clrMapOvr>
+    <a:masterClrMapping/>
+  </p:clrMapOvr>
+</p:sld>
+</file>
+
+<file path=ppt/slides/slide15.xml><?xml version="1.0" encoding="utf-8"?>
+<p:sld xmlns:a="http://schemas.openxmlformats.org/drawingml/2006/main" xmlns:r="http://schemas.openxmlformats.org/officeDocument/2006/relationships" xmlns:p="http://schemas.openxmlformats.org/presentationml/2006/main">
+  <p:cSld>
+    <p:spTree>
+      <p:nvGrpSpPr>
+        <p:cNvPr id="1" name=""/>
+        <p:cNvGrpSpPr/>
+        <p:nvPr/>
+      </p:nvGrpSpPr>
+      <p:grpSpPr>
+        <a:xfrm>
+          <a:off x="0" y="0"/>
+          <a:ext cx="0" cy="0"/>
+          <a:chOff x="0" y="0"/>
+          <a:chExt cx="0" cy="0"/>
+        </a:xfrm>
+      </p:grpSpPr>
+      <p:sp>
+        <p:nvSpPr>
+          <p:cNvPr id="2" name="内容占位符 1"/>
+          <p:cNvSpPr>
+            <a:spLocks noGrp="1"/>
+          </p:cNvSpPr>
+          <p:nvPr>
+            <p:ph idx="1"/>
+          </p:nvPr>
+        </p:nvSpPr>
+        <p:spPr/>
+        <p:txBody>
+          <a:bodyPr/>
+          <a:lstStyle/>
+          <a:p>
+            <a:r>
+              <a:rPr kumimoji="1" lang="zh-CN" altLang="en-US" dirty="0" smtClean="0"/>
+              <a:t>开始识别</a:t>
+            </a:r>
+            <a:endParaRPr kumimoji="1" lang="en-US" altLang="zh-CN" dirty="0" smtClean="0"/>
+          </a:p>
+          <a:p>
+            <a:r>
+              <a:rPr lang="en-US" altLang="zh-CN" dirty="0"/>
+              <a:t>//</a:t>
+            </a:r>
+            <a:r>
+              <a:rPr lang="zh-CN" altLang="en-US" dirty="0"/>
+              <a:t>识别，直接返回结果，但是整个识别过程是同步，所以我们让他整个在异步中进行</a:t>
+            </a:r>
+          </a:p>
+          <a:p>
+            <a:r>
+              <a:rPr lang="en-US" altLang="zh-CN" dirty="0"/>
+              <a:t>        </a:t>
+            </a:r>
+            <a:r>
+              <a:rPr lang="en-US" altLang="zh-CN" dirty="0" err="1"/>
+              <a:t>NSArray</a:t>
+            </a:r>
+            <a:r>
+              <a:rPr lang="en-US" altLang="zh-CN" dirty="0"/>
+              <a:t>* features = [detector </a:t>
+            </a:r>
+            <a:r>
+              <a:rPr lang="en-US" altLang="zh-CN" dirty="0" err="1"/>
+              <a:t>featuresInImage:image</a:t>
+            </a:r>
+            <a:r>
+              <a:rPr lang="en-US" altLang="zh-CN" dirty="0"/>
+              <a:t>];</a:t>
+            </a:r>
+          </a:p>
+          <a:p>
+            <a:endParaRPr kumimoji="1" lang="en-US" altLang="zh-CN" dirty="0" smtClean="0"/>
+          </a:p>
+          <a:p>
+            <a:r>
+              <a:rPr kumimoji="1" lang="zh-CN" altLang="en-US" dirty="0" smtClean="0"/>
+              <a:t>识别返回数组，数组里面是一个模型</a:t>
+            </a:r>
+            <a:r>
+              <a:rPr lang="en-US" altLang="zh-CN" dirty="0" err="1"/>
+              <a:t>CIFaceFeature</a:t>
+            </a:r>
+            <a:endParaRPr kumimoji="1" lang="zh-CN" altLang="en-US" dirty="0"/>
+          </a:p>
+        </p:txBody>
+      </p:sp>
+      <p:sp>
+        <p:nvSpPr>
+          <p:cNvPr id="3" name="标题 2"/>
+          <p:cNvSpPr>
+            <a:spLocks noGrp="1"/>
+          </p:cNvSpPr>
+          <p:nvPr>
+            <p:ph type="title"/>
+          </p:nvPr>
+        </p:nvSpPr>
+        <p:spPr/>
+        <p:txBody>
+          <a:bodyPr/>
+          <a:lstStyle/>
+          <a:p>
+            <a:r>
+              <a:rPr kumimoji="1" lang="zh-CN" altLang="en-US" dirty="0" smtClean="0"/>
+              <a:t>如何识别</a:t>
+            </a:r>
+            <a:r>
+              <a:rPr kumimoji="1" lang="en-US" altLang="zh-CN" dirty="0" smtClean="0"/>
+              <a:t>3</a:t>
+            </a:r>
+            <a:endParaRPr kumimoji="1" lang="zh-CN" altLang="en-US" dirty="0"/>
+          </a:p>
+        </p:txBody>
+      </p:sp>
+    </p:spTree>
+    <p:extLst>
+      <p:ext uri="{BB962C8B-B14F-4D97-AF65-F5344CB8AC3E}">
+        <p14:creationId xmlns:p14="http://schemas.microsoft.com/office/powerpoint/2010/main" val="2359591732"/>
+      </p:ext>
+    </p:extLst>
+  </p:cSld>
+  <p:clrMapOvr>
+    <a:masterClrMapping/>
+  </p:clrMapOvr>
+</p:sld>
+</file>
+
+<file path=ppt/slides/slide16.xml><?xml version="1.0" encoding="utf-8"?>
+<p:sld xmlns:a="http://schemas.openxmlformats.org/drawingml/2006/main" xmlns:r="http://schemas.openxmlformats.org/officeDocument/2006/relationships" xmlns:p="http://schemas.openxmlformats.org/presentationml/2006/main">
+  <p:cSld>
+    <p:spTree>
+      <p:nvGrpSpPr>
+        <p:cNvPr id="1" name=""/>
+        <p:cNvGrpSpPr/>
+        <p:nvPr/>
+      </p:nvGrpSpPr>
+      <p:grpSpPr>
+        <a:xfrm>
+          <a:off x="0" y="0"/>
+          <a:ext cx="0" cy="0"/>
+          <a:chOff x="0" y="0"/>
+          <a:chExt cx="0" cy="0"/>
+        </a:xfrm>
+      </p:grpSpPr>
+      <p:sp>
+        <p:nvSpPr>
+          <p:cNvPr id="2" name="内容占位符 1"/>
+          <p:cNvSpPr>
+            <a:spLocks noGrp="1"/>
+          </p:cNvSpPr>
+          <p:nvPr>
+            <p:ph idx="1"/>
+          </p:nvPr>
+        </p:nvSpPr>
+        <p:spPr/>
+        <p:txBody>
+          <a:bodyPr/>
+          <a:lstStyle/>
+          <a:p>
+            <a:r>
+              <a:rPr kumimoji="1" lang="zh-CN" altLang="en-US" dirty="0" smtClean="0"/>
+              <a:t>模型中记录了左眼、右眼 、脸、嘴</a:t>
+            </a:r>
+            <a:endParaRPr kumimoji="1" lang="en-US" altLang="zh-CN" dirty="0" smtClean="0"/>
+          </a:p>
+          <a:p>
+            <a:r>
+              <a:rPr kumimoji="1" lang="zh-CN" altLang="en-US" dirty="0" smtClean="0"/>
+              <a:t>脸   </a:t>
+            </a:r>
+            <a:r>
+              <a:rPr lang="en-US" altLang="zh-CN" dirty="0" smtClean="0"/>
+              <a:t>bounds</a:t>
+            </a:r>
+            <a:endParaRPr lang="en-US" altLang="zh-CN" dirty="0" smtClean="0"/>
+          </a:p>
+          <a:p>
+            <a:r>
+              <a:rPr lang="zh-CN" altLang="en-US" dirty="0" smtClean="0"/>
+              <a:t>左眼  中心点</a:t>
+            </a:r>
+            <a:endParaRPr lang="en-US" altLang="zh-CN" dirty="0" smtClean="0"/>
+          </a:p>
+          <a:p>
+            <a:r>
+              <a:rPr kumimoji="1" lang="zh-CN" altLang="en-US" dirty="0" smtClean="0"/>
+              <a:t>右眼  中心点</a:t>
+            </a:r>
+            <a:endParaRPr kumimoji="1" lang="en-US" altLang="zh-CN" dirty="0" smtClean="0"/>
+          </a:p>
+          <a:p>
+            <a:r>
+              <a:rPr kumimoji="1" lang="zh-CN" altLang="en-US" dirty="0" smtClean="0"/>
+              <a:t>嘴       中心点</a:t>
+            </a:r>
+            <a:endParaRPr kumimoji="1" lang="en-US" altLang="zh-CN" dirty="0"/>
+          </a:p>
+        </p:txBody>
+      </p:sp>
+      <p:sp>
+        <p:nvSpPr>
+          <p:cNvPr id="3" name="标题 2"/>
+          <p:cNvSpPr>
+            <a:spLocks noGrp="1"/>
+          </p:cNvSpPr>
+          <p:nvPr>
+            <p:ph type="title"/>
+          </p:nvPr>
+        </p:nvSpPr>
+        <p:spPr/>
+        <p:txBody>
+          <a:bodyPr/>
+          <a:lstStyle/>
+          <a:p>
+            <a:r>
+              <a:rPr lang="en-US" altLang="zh-CN" dirty="0" err="1"/>
+              <a:t>CIFaceFeature</a:t>
+            </a:r>
+            <a:endParaRPr kumimoji="1" lang="zh-CN" altLang="en-US" dirty="0"/>
+          </a:p>
+        </p:txBody>
+      </p:sp>
+    </p:spTree>
+    <p:extLst>
+      <p:ext uri="{BB962C8B-B14F-4D97-AF65-F5344CB8AC3E}">
+        <p14:creationId xmlns:p14="http://schemas.microsoft.com/office/powerpoint/2010/main" val="1728963347"/>
+      </p:ext>
+    </p:extLst>
+  </p:cSld>
+  <p:clrMapOvr>
+    <a:masterClrMapping/>
+  </p:clrMapOvr>
+</p:sld>
+</file>
+
+<file path=ppt/slides/slide17.xml><?xml version="1.0" encoding="utf-8"?>
+<p:sld xmlns:a="http://schemas.openxmlformats.org/drawingml/2006/main" xmlns:r="http://schemas.openxmlformats.org/officeDocument/2006/relationships" xmlns:p="http://schemas.openxmlformats.org/presentationml/2006/main">
+  <p:cSld>
+    <p:spTree>
+      <p:nvGrpSpPr>
+        <p:cNvPr id="1" name=""/>
+        <p:cNvGrpSpPr/>
+        <p:nvPr/>
+      </p:nvGrpSpPr>
+      <p:grpSpPr>
+        <a:xfrm>
+          <a:off x="0" y="0"/>
+          <a:ext cx="0" cy="0"/>
+          <a:chOff x="0" y="0"/>
+          <a:chExt cx="0" cy="0"/>
+        </a:xfrm>
+      </p:grpSpPr>
+      <p:sp>
+        <p:nvSpPr>
+          <p:cNvPr id="2" name="内容占位符 1"/>
+          <p:cNvSpPr>
+            <a:spLocks noGrp="1"/>
+          </p:cNvSpPr>
+          <p:nvPr>
+            <p:ph idx="1"/>
+          </p:nvPr>
+        </p:nvSpPr>
+        <p:spPr/>
+        <p:txBody>
+          <a:bodyPr/>
+          <a:lstStyle/>
+          <a:p>
+            <a:r>
+              <a:rPr lang="en-US" altLang="zh-CN" dirty="0"/>
+              <a:t>#import &lt;</a:t>
+            </a:r>
+            <a:r>
+              <a:rPr lang="en-US" altLang="zh-CN" dirty="0" err="1"/>
+              <a:t>CoreImage</a:t>
+            </a:r>
+            <a:r>
+              <a:rPr lang="en-US" altLang="zh-CN" dirty="0"/>
+              <a:t>/</a:t>
+            </a:r>
+            <a:r>
+              <a:rPr lang="en-US" altLang="zh-CN" dirty="0" err="1"/>
+              <a:t>CoreImage.h</a:t>
+            </a:r>
+            <a:r>
+              <a:rPr lang="en-US" altLang="zh-CN" dirty="0"/>
+              <a:t>&gt;</a:t>
+            </a:r>
+          </a:p>
+          <a:p>
+            <a:r>
+              <a:rPr kumimoji="1" lang="zh-CN" altLang="en-US" dirty="0" smtClean="0"/>
+              <a:t>不仅仅做到人脸识别，还有很多强大的功能，比如绘图，什么时候会用到绘图，比如股票软件的</a:t>
+            </a:r>
+            <a:r>
+              <a:rPr kumimoji="1" lang="en-US" altLang="zh-CN" dirty="0" smtClean="0"/>
+              <a:t>k</a:t>
+            </a:r>
+            <a:r>
+              <a:rPr kumimoji="1" lang="zh-CN" altLang="en-US" dirty="0" smtClean="0"/>
+              <a:t>线图</a:t>
+            </a:r>
+            <a:endParaRPr kumimoji="1" lang="en-US" altLang="zh-CN" dirty="0" smtClean="0"/>
+          </a:p>
+          <a:p>
+            <a:r>
+              <a:rPr kumimoji="1" lang="zh-CN" altLang="en-US" dirty="0" smtClean="0"/>
+              <a:t>比如滤镜功能，提供了更多的滤镜</a:t>
+            </a:r>
+            <a:endParaRPr kumimoji="1" lang="zh-CN" altLang="en-US" dirty="0"/>
+          </a:p>
+        </p:txBody>
+      </p:sp>
+      <p:sp>
+        <p:nvSpPr>
+          <p:cNvPr id="3" name="标题 2"/>
+          <p:cNvSpPr>
+            <a:spLocks noGrp="1"/>
+          </p:cNvSpPr>
+          <p:nvPr>
+            <p:ph type="title"/>
+          </p:nvPr>
+        </p:nvSpPr>
+        <p:spPr/>
+        <p:txBody>
+          <a:bodyPr/>
+          <a:lstStyle/>
+          <a:p>
+            <a:r>
+              <a:rPr kumimoji="1" lang="en-US" altLang="en-US" dirty="0" smtClean="0"/>
+              <a:t>结束语</a:t>
+            </a:r>
+            <a:endParaRPr kumimoji="1" lang="zh-CN" altLang="en-US" dirty="0"/>
+          </a:p>
+        </p:txBody>
+      </p:sp>
+    </p:spTree>
+    <p:extLst>
+      <p:ext uri="{BB962C8B-B14F-4D97-AF65-F5344CB8AC3E}">
+        <p14:creationId xmlns:p14="http://schemas.microsoft.com/office/powerpoint/2010/main" val="2049208379"/>
       </p:ext>
     </p:extLst>
   </p:cSld>
@@ -15433,6 +16597,193 @@
     <p:extLst>
       <p:ext uri="{BB962C8B-B14F-4D97-AF65-F5344CB8AC3E}">
         <p14:creationId xmlns:p14="http://schemas.microsoft.com/office/powerpoint/2010/main" val="1210121444"/>
+      </p:ext>
+    </p:extLst>
+  </p:cSld>
+  <p:clrMapOvr>
+    <a:masterClrMapping/>
+  </p:clrMapOvr>
+</p:sld>
+</file>
+
+<file path=ppt/slides/slide8.xml><?xml version="1.0" encoding="utf-8"?>
+<p:sld xmlns:a="http://schemas.openxmlformats.org/drawingml/2006/main" xmlns:r="http://schemas.openxmlformats.org/officeDocument/2006/relationships" xmlns:p="http://schemas.openxmlformats.org/presentationml/2006/main">
+  <p:cSld>
+    <p:spTree>
+      <p:nvGrpSpPr>
+        <p:cNvPr id="1" name=""/>
+        <p:cNvGrpSpPr/>
+        <p:nvPr/>
+      </p:nvGrpSpPr>
+      <p:grpSpPr>
+        <a:xfrm>
+          <a:off x="0" y="0"/>
+          <a:ext cx="0" cy="0"/>
+          <a:chOff x="0" y="0"/>
+          <a:chExt cx="0" cy="0"/>
+        </a:xfrm>
+      </p:grpSpPr>
+      <p:sp>
+        <p:nvSpPr>
+          <p:cNvPr id="2" name="内容占位符 1"/>
+          <p:cNvSpPr>
+            <a:spLocks noGrp="1"/>
+          </p:cNvSpPr>
+          <p:nvPr>
+            <p:ph idx="1"/>
+          </p:nvPr>
+        </p:nvSpPr>
+        <p:spPr/>
+        <p:txBody>
+          <a:bodyPr/>
+          <a:lstStyle/>
+          <a:p>
+            <a:endParaRPr kumimoji="1" lang="zh-CN" altLang="en-US" dirty="0"/>
+          </a:p>
+        </p:txBody>
+      </p:sp>
+      <p:sp>
+        <p:nvSpPr>
+          <p:cNvPr id="3" name="标题 2"/>
+          <p:cNvSpPr>
+            <a:spLocks noGrp="1"/>
+          </p:cNvSpPr>
+          <p:nvPr>
+            <p:ph type="title"/>
+          </p:nvPr>
+        </p:nvSpPr>
+        <p:spPr/>
+        <p:txBody>
+          <a:bodyPr/>
+          <a:lstStyle/>
+          <a:p>
+            <a:r>
+              <a:rPr kumimoji="1" lang="zh-CN" altLang="en-US" dirty="0" smtClean="0"/>
+              <a:t>人脸检测</a:t>
+            </a:r>
+            <a:endParaRPr kumimoji="1" lang="zh-CN" altLang="en-US" dirty="0"/>
+          </a:p>
+        </p:txBody>
+      </p:sp>
+    </p:spTree>
+    <p:extLst>
+      <p:ext uri="{BB962C8B-B14F-4D97-AF65-F5344CB8AC3E}">
+        <p14:creationId xmlns:p14="http://schemas.microsoft.com/office/powerpoint/2010/main" val="3034198750"/>
+      </p:ext>
+    </p:extLst>
+  </p:cSld>
+  <p:clrMapOvr>
+    <a:masterClrMapping/>
+  </p:clrMapOvr>
+</p:sld>
+</file>
+
+<file path=ppt/slides/slide9.xml><?xml version="1.0" encoding="utf-8"?>
+<p:sld xmlns:a="http://schemas.openxmlformats.org/drawingml/2006/main" xmlns:r="http://schemas.openxmlformats.org/officeDocument/2006/relationships" xmlns:p="http://schemas.openxmlformats.org/presentationml/2006/main">
+  <p:cSld>
+    <p:spTree>
+      <p:nvGrpSpPr>
+        <p:cNvPr id="1" name=""/>
+        <p:cNvGrpSpPr/>
+        <p:nvPr/>
+      </p:nvGrpSpPr>
+      <p:grpSpPr>
+        <a:xfrm>
+          <a:off x="0" y="0"/>
+          <a:ext cx="0" cy="0"/>
+          <a:chOff x="0" y="0"/>
+          <a:chExt cx="0" cy="0"/>
+        </a:xfrm>
+      </p:grpSpPr>
+      <p:sp>
+        <p:nvSpPr>
+          <p:cNvPr id="2" name="内容占位符 1"/>
+          <p:cNvSpPr>
+            <a:spLocks noGrp="1"/>
+          </p:cNvSpPr>
+          <p:nvPr>
+            <p:ph idx="1"/>
+          </p:nvPr>
+        </p:nvSpPr>
+        <p:spPr/>
+        <p:txBody>
+          <a:bodyPr/>
+          <a:lstStyle/>
+          <a:p>
+            <a:r>
+              <a:rPr kumimoji="1" lang="en-US" altLang="zh-CN" dirty="0" smtClean="0"/>
+              <a:t>1</a:t>
+            </a:r>
+            <a:r>
+              <a:rPr kumimoji="1" lang="zh-CN" altLang="en-US" dirty="0" smtClean="0"/>
+              <a:t>、检测与识别</a:t>
+            </a:r>
+            <a:endParaRPr kumimoji="1" lang="en-US" altLang="zh-CN" dirty="0" smtClean="0"/>
+          </a:p>
+          <a:p>
+            <a:r>
+              <a:rPr kumimoji="1" lang="zh-CN" altLang="en-US" dirty="0" smtClean="0"/>
+              <a:t>检测就是查看这个图像有没有人脸，人脸在什么位置，眼睛、嘴巴在什么什么，并且可以检测一些简单逻辑，比如左眼或者右眼睁开还是闭合，整个面部是否微笑</a:t>
+            </a:r>
+            <a:endParaRPr kumimoji="1" lang="en-US" altLang="zh-CN" dirty="0" smtClean="0"/>
+          </a:p>
+          <a:p>
+            <a:r>
+              <a:rPr kumimoji="1" lang="zh-CN" altLang="en-US" dirty="0" smtClean="0"/>
+              <a:t>识别需要比数据库，进行检索生物特征，通常来说识别是使用</a:t>
+            </a:r>
+            <a:r>
+              <a:rPr kumimoji="1" lang="en-US" altLang="zh-CN" dirty="0" err="1" smtClean="0"/>
+              <a:t>OpenCV</a:t>
+            </a:r>
+            <a:r>
+              <a:rPr kumimoji="1" lang="zh-CN" altLang="en-US" dirty="0" smtClean="0"/>
+              <a:t>来进行</a:t>
+            </a:r>
+            <a:endParaRPr kumimoji="1" lang="zh-CN" altLang="en-US" dirty="0"/>
+          </a:p>
+        </p:txBody>
+      </p:sp>
+      <p:sp>
+        <p:nvSpPr>
+          <p:cNvPr id="3" name="标题 2"/>
+          <p:cNvSpPr>
+            <a:spLocks noGrp="1"/>
+          </p:cNvSpPr>
+          <p:nvPr>
+            <p:ph type="title"/>
+          </p:nvPr>
+        </p:nvSpPr>
+        <p:spPr/>
+        <p:txBody>
+          <a:bodyPr>
+            <a:normAutofit fontScale="90000"/>
+          </a:bodyPr>
+          <a:lstStyle/>
+          <a:p>
+            <a:r>
+              <a:rPr kumimoji="1" lang="en-US" altLang="zh-CN" dirty="0"/>
+              <a:t>1</a:t>
+            </a:r>
+            <a:r>
+              <a:rPr kumimoji="1" lang="zh-CN" altLang="en-US" dirty="0"/>
+              <a:t>、检测与识别</a:t>
+            </a:r>
+            <a:r>
+              <a:rPr kumimoji="1" lang="en-US" altLang="zh-CN" dirty="0"/>
+              <a:t/>
+            </a:r>
+            <a:br>
+              <a:rPr kumimoji="1" lang="en-US" altLang="zh-CN" dirty="0"/>
+            </a:br>
+            <a:endParaRPr kumimoji="1" lang="zh-CN" altLang="en-US" dirty="0"/>
+          </a:p>
+        </p:txBody>
+      </p:sp>
+    </p:spTree>
+    <p:extLst>
+      <p:ext uri="{BB962C8B-B14F-4D97-AF65-F5344CB8AC3E}">
+        <p14:creationId xmlns:p14="http://schemas.microsoft.com/office/powerpoint/2010/main" val="1375894399"/>
       </p:ext>
     </p:extLst>
   </p:cSld>
